--- a/bdd/Easyhr.pptx
+++ b/bdd/Easyhr.pptx
@@ -2971,15 +2971,9 @@
   <p:cSld>
     <p:bg>
       <p:bgPr>
-        <a:blipFill dpi="0" rotWithShape="1">
-          <a:blip r:embed="rId2">
-            <a:lum/>
-          </a:blip>
-          <a:srcRect/>
-          <a:stretch>
-            <a:fillRect t="-13000" b="-13000"/>
-          </a:stretch>
-        </a:blipFill>
+        <a:solidFill>
+          <a:schemeClr val="accent1"/>
+        </a:solidFill>
         <a:effectLst/>
       </p:bgPr>
     </p:bg>
@@ -3342,11 +3336,7 @@
             </a:pPr>
             <a:r>
               <a:rPr lang="fr-FR" dirty="0" smtClean="0"/>
-              <a:t>II</a:t>
-            </a:r>
-            <a:r>
-              <a:rPr lang="fr-FR" dirty="0" smtClean="0"/>
-              <a:t>. </a:t>
+              <a:t>II. </a:t>
             </a:r>
             <a:r>
               <a:rPr lang="fr-FR" u="sng" dirty="0" smtClean="0"/>
@@ -3391,13 +3381,8 @@
             </a:r>
             <a:r>
               <a:rPr lang="fr-FR" u="sng" dirty="0" smtClean="0"/>
-              <a:t>. </a:t>
-            </a:r>
-            <a:r>
-              <a:rPr lang="fr-FR" u="sng" dirty="0" smtClean="0"/>
-              <a:t>Fonctionnalités</a:t>
-            </a:r>
-            <a:endParaRPr lang="fr-FR" u="sng" dirty="0" smtClean="0"/>
+              <a:t>. Fonctionnalités</a:t>
+            </a:r>
           </a:p>
           <a:p>
             <a:pPr marL="457200" lvl="1" indent="0" algn="ctr">
@@ -3409,17 +3394,8 @@
             </a:r>
             <a:r>
               <a:rPr lang="fr-FR" sz="2800" dirty="0" smtClean="0"/>
-              <a:t>A</a:t>
-            </a:r>
-            <a:r>
-              <a:rPr lang="fr-FR" sz="2800" dirty="0" smtClean="0"/>
-              <a:t>. </a:t>
-            </a:r>
-            <a:r>
-              <a:rPr lang="fr-FR" sz="2800" dirty="0" smtClean="0"/>
-              <a:t>Administration</a:t>
-            </a:r>
-            <a:endParaRPr lang="fr-FR" sz="2800" dirty="0" smtClean="0"/>
+              <a:t>A. Administration</a:t>
+            </a:r>
           </a:p>
           <a:p>
             <a:pPr marL="457200" lvl="1" indent="0" algn="ctr">
@@ -3431,15 +3407,7 @@
             </a:r>
             <a:r>
               <a:rPr lang="fr-FR" sz="2800" dirty="0" smtClean="0"/>
-              <a:t>  </a:t>
-            </a:r>
-            <a:r>
-              <a:rPr lang="fr-FR" sz="2800" dirty="0" smtClean="0"/>
-              <a:t>B</a:t>
-            </a:r>
-            <a:r>
-              <a:rPr lang="fr-FR" sz="2800" dirty="0" smtClean="0"/>
-              <a:t>. </a:t>
+              <a:t>  B. </a:t>
             </a:r>
             <a:r>
               <a:rPr lang="fr-FR" sz="2800" dirty="0"/>
@@ -3453,15 +3421,7 @@
             </a:pPr>
             <a:r>
               <a:rPr lang="fr-FR" sz="2800" dirty="0" smtClean="0"/>
-              <a:t>	    C</a:t>
-            </a:r>
-            <a:r>
-              <a:rPr lang="fr-FR" sz="2800" dirty="0" smtClean="0"/>
-              <a:t>. </a:t>
-            </a:r>
-            <a:r>
-              <a:rPr lang="fr-FR" sz="2800" dirty="0" smtClean="0"/>
-              <a:t>Entreprise</a:t>
+              <a:t>	    C. Entreprise</a:t>
             </a:r>
           </a:p>
           <a:p>
@@ -3630,7 +3590,6 @@
               <a:rPr lang="fr-FR" dirty="0" smtClean="0"/>
               <a:t>Optimisation du système d’information de l’entreprise </a:t>
             </a:r>
-            <a:endParaRPr lang="fr-FR" dirty="0" smtClean="0"/>
           </a:p>
           <a:p>
             <a:pPr marL="0" indent="0">

--- a/bdd/Easyhr.pptx
+++ b/bdd/Easyhr.pptx
@@ -3320,7 +3320,11 @@
               <a:buAutoNum type="romanUcPeriod"/>
             </a:pPr>
             <a:r>
-              <a:rPr lang="fr-FR" u="sng" dirty="0" smtClean="0"/>
+              <a:rPr lang="fr-FR" u="sng" dirty="0" smtClean="0">
+                <a:solidFill>
+                  <a:schemeClr val="bg1"/>
+                </a:solidFill>
+              </a:rPr>
               <a:t>Introduction</a:t>
             </a:r>
           </a:p>
@@ -3328,18 +3332,30 @@
             <a:pPr marL="571500" indent="-571500" algn="ctr">
               <a:buAutoNum type="romanUcPeriod"/>
             </a:pPr>
-            <a:endParaRPr lang="fr-FR" dirty="0" smtClean="0"/>
+            <a:endParaRPr lang="fr-FR" dirty="0" smtClean="0">
+              <a:solidFill>
+                <a:schemeClr val="bg1"/>
+              </a:solidFill>
+            </a:endParaRPr>
           </a:p>
           <a:p>
             <a:pPr marL="0" indent="0" algn="ctr">
               <a:buNone/>
             </a:pPr>
             <a:r>
-              <a:rPr lang="fr-FR" dirty="0" smtClean="0"/>
+              <a:rPr lang="fr-FR" dirty="0" smtClean="0">
+                <a:solidFill>
+                  <a:schemeClr val="bg1"/>
+                </a:solidFill>
+              </a:rPr>
               <a:t>II. </a:t>
             </a:r>
             <a:r>
-              <a:rPr lang="fr-FR" u="sng" dirty="0" smtClean="0"/>
+              <a:rPr lang="fr-FR" u="sng" dirty="0" smtClean="0">
+                <a:solidFill>
+                  <a:schemeClr val="bg1"/>
+                </a:solidFill>
+              </a:rPr>
               <a:t>Présentation</a:t>
             </a:r>
           </a:p>
@@ -3348,7 +3364,11 @@
               <a:buNone/>
             </a:pPr>
             <a:r>
-              <a:rPr lang="fr-FR" dirty="0" smtClean="0"/>
+              <a:rPr lang="fr-FR" dirty="0" smtClean="0">
+                <a:solidFill>
+                  <a:schemeClr val="bg1"/>
+                </a:solidFill>
+              </a:rPr>
               <a:t>	A. Objectifs</a:t>
             </a:r>
           </a:p>
@@ -3357,11 +3377,19 @@
               <a:buNone/>
             </a:pPr>
             <a:r>
-              <a:rPr lang="fr-FR" dirty="0"/>
+              <a:rPr lang="fr-FR" dirty="0">
+                <a:solidFill>
+                  <a:schemeClr val="bg1"/>
+                </a:solidFill>
+              </a:rPr>
               <a:t>	</a:t>
             </a:r>
             <a:r>
-              <a:rPr lang="fr-FR" dirty="0" smtClean="0"/>
+              <a:rPr lang="fr-FR" dirty="0" smtClean="0">
+                <a:solidFill>
+                  <a:schemeClr val="bg1"/>
+                </a:solidFill>
+              </a:rPr>
               <a:t>                          B. présentation technique</a:t>
             </a:r>
           </a:p>
@@ -3369,18 +3397,30 @@
             <a:pPr marL="0" indent="0" algn="ctr">
               <a:buNone/>
             </a:pPr>
-            <a:endParaRPr lang="fr-FR" dirty="0" smtClean="0"/>
+            <a:endParaRPr lang="fr-FR" dirty="0" smtClean="0">
+              <a:solidFill>
+                <a:schemeClr val="bg1"/>
+              </a:solidFill>
+            </a:endParaRPr>
           </a:p>
           <a:p>
             <a:pPr marL="0" indent="0" algn="ctr">
               <a:buNone/>
             </a:pPr>
             <a:r>
-              <a:rPr lang="fr-FR" dirty="0" smtClean="0"/>
+              <a:rPr lang="fr-FR" dirty="0" smtClean="0">
+                <a:solidFill>
+                  <a:schemeClr val="bg1"/>
+                </a:solidFill>
+              </a:rPr>
               <a:t>      III</a:t>
             </a:r>
             <a:r>
-              <a:rPr lang="fr-FR" u="sng" dirty="0" smtClean="0"/>
+              <a:rPr lang="fr-FR" u="sng" dirty="0" smtClean="0">
+                <a:solidFill>
+                  <a:schemeClr val="bg1"/>
+                </a:solidFill>
+              </a:rPr>
               <a:t>. Fonctionnalités</a:t>
             </a:r>
           </a:p>
@@ -3389,11 +3429,19 @@
               <a:buNone/>
             </a:pPr>
             <a:r>
-              <a:rPr lang="fr-FR" dirty="0" smtClean="0"/>
+              <a:rPr lang="fr-FR" dirty="0" smtClean="0">
+                <a:solidFill>
+                  <a:schemeClr val="bg1"/>
+                </a:solidFill>
+              </a:rPr>
               <a:t>		</a:t>
             </a:r>
             <a:r>
-              <a:rPr lang="fr-FR" sz="2800" dirty="0" smtClean="0"/>
+              <a:rPr lang="fr-FR" sz="2800" dirty="0" smtClean="0">
+                <a:solidFill>
+                  <a:schemeClr val="bg1"/>
+                </a:solidFill>
+              </a:rPr>
               <a:t>A. Administration</a:t>
             </a:r>
           </a:p>
@@ -3402,25 +3450,45 @@
               <a:buNone/>
             </a:pPr>
             <a:r>
-              <a:rPr lang="fr-FR" sz="2800" dirty="0"/>
+              <a:rPr lang="fr-FR" sz="2800" dirty="0">
+                <a:solidFill>
+                  <a:schemeClr val="bg1"/>
+                </a:solidFill>
+              </a:rPr>
               <a:t> </a:t>
             </a:r>
             <a:r>
-              <a:rPr lang="fr-FR" sz="2800" dirty="0" smtClean="0"/>
+              <a:rPr lang="fr-FR" sz="2800" dirty="0" smtClean="0">
+                <a:solidFill>
+                  <a:schemeClr val="bg1"/>
+                </a:solidFill>
+              </a:rPr>
               <a:t>  B. </a:t>
             </a:r>
             <a:r>
-              <a:rPr lang="fr-FR" sz="2800" dirty="0"/>
+              <a:rPr lang="fr-FR" sz="2800" dirty="0">
+                <a:solidFill>
+                  <a:schemeClr val="bg1"/>
+                </a:solidFill>
+              </a:rPr>
               <a:t>Salarié </a:t>
             </a:r>
-            <a:endParaRPr lang="fr-FR" sz="2800" dirty="0" smtClean="0"/>
+            <a:endParaRPr lang="fr-FR" sz="2800" dirty="0" smtClean="0">
+              <a:solidFill>
+                <a:schemeClr val="bg1"/>
+              </a:solidFill>
+            </a:endParaRPr>
           </a:p>
           <a:p>
             <a:pPr marL="457200" lvl="1" indent="0" algn="ctr">
               <a:buNone/>
             </a:pPr>
             <a:r>
-              <a:rPr lang="fr-FR" sz="2800" dirty="0" smtClean="0"/>
+              <a:rPr lang="fr-FR" sz="2800" dirty="0" smtClean="0">
+                <a:solidFill>
+                  <a:schemeClr val="bg1"/>
+                </a:solidFill>
+              </a:rPr>
               <a:t>	    C. Entreprise</a:t>
             </a:r>
           </a:p>
@@ -3428,18 +3496,30 @@
             <a:pPr marL="457200" lvl="1" indent="0" algn="ctr">
               <a:buNone/>
             </a:pPr>
-            <a:endParaRPr lang="fr-FR" sz="2800" dirty="0" smtClean="0"/>
+            <a:endParaRPr lang="fr-FR" sz="2800" dirty="0" smtClean="0">
+              <a:solidFill>
+                <a:schemeClr val="bg1"/>
+              </a:solidFill>
+            </a:endParaRPr>
           </a:p>
           <a:p>
             <a:pPr marL="0" indent="0" algn="ctr">
               <a:buNone/>
             </a:pPr>
             <a:r>
-              <a:rPr lang="fr-FR" dirty="0" smtClean="0"/>
+              <a:rPr lang="fr-FR" dirty="0" smtClean="0">
+                <a:solidFill>
+                  <a:schemeClr val="bg1"/>
+                </a:solidFill>
+              </a:rPr>
               <a:t>IV. </a:t>
             </a:r>
             <a:r>
-              <a:rPr lang="fr-FR" u="sng" dirty="0" smtClean="0"/>
+              <a:rPr lang="fr-FR" u="sng" dirty="0" smtClean="0">
+                <a:solidFill>
+                  <a:schemeClr val="bg1"/>
+                </a:solidFill>
+              </a:rPr>
               <a:t>Conclusion</a:t>
             </a:r>
           </a:p>
@@ -3447,18 +3527,30 @@
             <a:pPr marL="0" indent="0" algn="ctr">
               <a:buNone/>
             </a:pPr>
-            <a:endParaRPr lang="fr-FR" u="sng" dirty="0" smtClean="0"/>
+            <a:endParaRPr lang="fr-FR" u="sng" dirty="0" smtClean="0">
+              <a:solidFill>
+                <a:schemeClr val="bg1"/>
+              </a:solidFill>
+            </a:endParaRPr>
           </a:p>
           <a:p>
             <a:pPr marL="0" indent="0" algn="ctr">
               <a:buNone/>
             </a:pPr>
             <a:r>
-              <a:rPr lang="fr-FR" dirty="0" smtClean="0"/>
+              <a:rPr lang="fr-FR" dirty="0" smtClean="0">
+                <a:solidFill>
+                  <a:schemeClr val="bg1"/>
+                </a:solidFill>
+              </a:rPr>
               <a:t>                           V. </a:t>
             </a:r>
             <a:r>
-              <a:rPr lang="fr-FR" u="sng" dirty="0" smtClean="0"/>
+              <a:rPr lang="fr-FR" u="sng" dirty="0" smtClean="0">
+                <a:solidFill>
+                  <a:schemeClr val="bg1"/>
+                </a:solidFill>
+              </a:rPr>
               <a:t>Remerciements/Questions</a:t>
             </a:r>
           </a:p>
@@ -3677,8 +3769,8 @@
         </p:nvSpPr>
         <p:spPr>
           <a:xfrm>
-            <a:off x="725658" y="1519311"/>
-            <a:ext cx="10515600" cy="5164089"/>
+            <a:off x="725658" y="914401"/>
+            <a:ext cx="10978662" cy="5769000"/>
           </a:xfrm>
         </p:spPr>
         <p:txBody>
@@ -3720,6 +3812,23 @@
               <a:t>Opquast</a:t>
             </a:r>
             <a:endParaRPr lang="fr-FR" sz="3600" u="sng" dirty="0" smtClean="0"/>
+          </a:p>
+          <a:p>
+            <a:endParaRPr lang="fr-FR" sz="3600" u="sng" dirty="0"/>
+          </a:p>
+          <a:p>
+            <a:r>
+              <a:rPr lang="fr-FR" sz="3600" dirty="0" smtClean="0"/>
+              <a:t>Le site est divisé en </a:t>
+            </a:r>
+            <a:r>
+              <a:rPr lang="fr-FR" sz="3600" u="sng" dirty="0" smtClean="0"/>
+              <a:t>4 pages </a:t>
+            </a:r>
+            <a:r>
+              <a:rPr lang="fr-FR" sz="3600" dirty="0" smtClean="0"/>
+              <a:t>: l’accueil, l’entreprise, le salarié et l’administrateur</a:t>
+            </a:r>
           </a:p>
           <a:p>
             <a:endParaRPr lang="fr-FR" dirty="0"/>
@@ -4001,7 +4110,7 @@
           <a:p>
             <a:r>
               <a:rPr lang="fr-FR" dirty="0" smtClean="0"/>
-              <a:t>Accès aux documents administratives : social et fiscal.</a:t>
+              <a:t>Accès aux documents administratifs : social et fiscal</a:t>
             </a:r>
           </a:p>
           <a:p>
@@ -4259,14 +4368,19 @@
           </a:xfrm>
         </p:spPr>
         <p:txBody>
-          <a:bodyPr/>
+          <a:bodyPr>
+            <a:normAutofit/>
+          </a:bodyPr>
           <a:lstStyle/>
           <a:p>
             <a:pPr algn="ctr"/>
             <a:r>
               <a:rPr lang="fr-FR" b="1" u="sng" dirty="0" smtClean="0"/>
-              <a:t>CONCLUSION</a:t>
-            </a:r>
+              <a:t>CONCLUSION :</a:t>
+            </a:r>
+            <a:br>
+              <a:rPr lang="fr-FR" b="1" u="sng" dirty="0" smtClean="0"/>
+            </a:br>
             <a:endParaRPr lang="fr-FR" b="1" u="sng" dirty="0"/>
           </a:p>
         </p:txBody>
@@ -4386,7 +4500,7 @@
           <a:p>
             <a:r>
               <a:rPr lang="fr-FR" dirty="0" smtClean="0"/>
-              <a:t>Tous les étudiants de la session</a:t>
+              <a:t>Tous les étudiants de la session Novembre 2015/Mars 2016</a:t>
             </a:r>
             <a:endParaRPr lang="fr-FR" dirty="0"/>
           </a:p>

--- a/bdd/Easyhr.pptx
+++ b/bdd/Easyhr.pptx
@@ -252,7 +252,7 @@
           <a:p>
             <a:fld id="{12143729-00C4-4123-B80E-6FCDD163689D}" type="datetimeFigureOut">
               <a:rPr lang="fr-FR" smtClean="0"/>
-              <a:t>29/02/2016</a:t>
+              <a:t>01/03/2016</a:t>
             </a:fld>
             <a:endParaRPr lang="fr-FR"/>
           </a:p>
@@ -422,7 +422,7 @@
           <a:p>
             <a:fld id="{12143729-00C4-4123-B80E-6FCDD163689D}" type="datetimeFigureOut">
               <a:rPr lang="fr-FR" smtClean="0"/>
-              <a:t>29/02/2016</a:t>
+              <a:t>01/03/2016</a:t>
             </a:fld>
             <a:endParaRPr lang="fr-FR"/>
           </a:p>
@@ -602,7 +602,7 @@
           <a:p>
             <a:fld id="{12143729-00C4-4123-B80E-6FCDD163689D}" type="datetimeFigureOut">
               <a:rPr lang="fr-FR" smtClean="0"/>
-              <a:t>29/02/2016</a:t>
+              <a:t>01/03/2016</a:t>
             </a:fld>
             <a:endParaRPr lang="fr-FR"/>
           </a:p>
@@ -772,7 +772,7 @@
           <a:p>
             <a:fld id="{12143729-00C4-4123-B80E-6FCDD163689D}" type="datetimeFigureOut">
               <a:rPr lang="fr-FR" smtClean="0"/>
-              <a:t>29/02/2016</a:t>
+              <a:t>01/03/2016</a:t>
             </a:fld>
             <a:endParaRPr lang="fr-FR"/>
           </a:p>
@@ -1018,7 +1018,7 @@
           <a:p>
             <a:fld id="{12143729-00C4-4123-B80E-6FCDD163689D}" type="datetimeFigureOut">
               <a:rPr lang="fr-FR" smtClean="0"/>
-              <a:t>29/02/2016</a:t>
+              <a:t>01/03/2016</a:t>
             </a:fld>
             <a:endParaRPr lang="fr-FR"/>
           </a:p>
@@ -1250,7 +1250,7 @@
           <a:p>
             <a:fld id="{12143729-00C4-4123-B80E-6FCDD163689D}" type="datetimeFigureOut">
               <a:rPr lang="fr-FR" smtClean="0"/>
-              <a:t>29/02/2016</a:t>
+              <a:t>01/03/2016</a:t>
             </a:fld>
             <a:endParaRPr lang="fr-FR"/>
           </a:p>
@@ -1617,7 +1617,7 @@
           <a:p>
             <a:fld id="{12143729-00C4-4123-B80E-6FCDD163689D}" type="datetimeFigureOut">
               <a:rPr lang="fr-FR" smtClean="0"/>
-              <a:t>29/02/2016</a:t>
+              <a:t>01/03/2016</a:t>
             </a:fld>
             <a:endParaRPr lang="fr-FR"/>
           </a:p>
@@ -1735,7 +1735,7 @@
           <a:p>
             <a:fld id="{12143729-00C4-4123-B80E-6FCDD163689D}" type="datetimeFigureOut">
               <a:rPr lang="fr-FR" smtClean="0"/>
-              <a:t>29/02/2016</a:t>
+              <a:t>01/03/2016</a:t>
             </a:fld>
             <a:endParaRPr lang="fr-FR"/>
           </a:p>
@@ -1830,7 +1830,7 @@
           <a:p>
             <a:fld id="{12143729-00C4-4123-B80E-6FCDD163689D}" type="datetimeFigureOut">
               <a:rPr lang="fr-FR" smtClean="0"/>
-              <a:t>29/02/2016</a:t>
+              <a:t>01/03/2016</a:t>
             </a:fld>
             <a:endParaRPr lang="fr-FR"/>
           </a:p>
@@ -2107,7 +2107,7 @@
           <a:p>
             <a:fld id="{12143729-00C4-4123-B80E-6FCDD163689D}" type="datetimeFigureOut">
               <a:rPr lang="fr-FR" smtClean="0"/>
-              <a:t>29/02/2016</a:t>
+              <a:t>01/03/2016</a:t>
             </a:fld>
             <a:endParaRPr lang="fr-FR"/>
           </a:p>
@@ -2360,7 +2360,7 @@
           <a:p>
             <a:fld id="{12143729-00C4-4123-B80E-6FCDD163689D}" type="datetimeFigureOut">
               <a:rPr lang="fr-FR" smtClean="0"/>
-              <a:t>29/02/2016</a:t>
+              <a:t>01/03/2016</a:t>
             </a:fld>
             <a:endParaRPr lang="fr-FR"/>
           </a:p>
@@ -2578,7 +2578,7 @@
           <a:p>
             <a:fld id="{12143729-00C4-4123-B80E-6FCDD163689D}" type="datetimeFigureOut">
               <a:rPr lang="fr-FR" smtClean="0"/>
-              <a:t>29/02/2016</a:t>
+              <a:t>01/03/2016</a:t>
             </a:fld>
             <a:endParaRPr lang="fr-FR"/>
           </a:p>
@@ -4376,7 +4376,11 @@
             <a:pPr algn="ctr"/>
             <a:r>
               <a:rPr lang="fr-FR" b="1" u="sng" dirty="0" smtClean="0"/>
-              <a:t>CONCLUSION :</a:t>
+              <a:t>Démonstration </a:t>
+            </a:r>
+            <a:r>
+              <a:rPr lang="fr-FR" b="1" u="sng" dirty="0" smtClean="0"/>
+              <a:t>:</a:t>
             </a:r>
             <a:br>
               <a:rPr lang="fr-FR" b="1" u="sng" dirty="0" smtClean="0"/>

--- a/bdd/Easyhr.pptx
+++ b/bdd/Easyhr.pptx
@@ -3910,7 +3910,7 @@
             <a:pPr algn="ctr"/>
             <a:r>
               <a:rPr lang="fr-FR" u="sng" dirty="0" smtClean="0"/>
-              <a:t>FONCTIONNALITES</a:t>
+              <a:t>FONCTIONNALITES : Administration</a:t>
             </a:r>
             <a:endParaRPr lang="fr-FR" u="sng" dirty="0"/>
           </a:p>
@@ -3936,13 +3936,31 @@
           <a:bodyPr/>
           <a:lstStyle/>
           <a:p>
+            <a:pPr marL="0" indent="0">
+              <a:buNone/>
+            </a:pPr>
             <a:endParaRPr lang="fr-FR" dirty="0" smtClean="0"/>
           </a:p>
           <a:p>
             <a:r>
+              <a:rPr lang="fr-FR" dirty="0"/>
+              <a:t>I</a:t>
+            </a:r>
+            <a:r>
               <a:rPr lang="fr-FR" dirty="0" smtClean="0"/>
-              <a:t>Page administrative : insertion des nouveaux utilisateurs en fonction de leur statut </a:t>
-            </a:r>
+              <a:t>nsertion </a:t>
+            </a:r>
+            <a:r>
+              <a:rPr lang="fr-FR" dirty="0" smtClean="0"/>
+              <a:t>des nouveaux </a:t>
+            </a:r>
+            <a:r>
+              <a:rPr lang="fr-FR" dirty="0" smtClean="0"/>
+              <a:t>utilisateurs</a:t>
+            </a:r>
+          </a:p>
+          <a:p>
+            <a:endParaRPr lang="fr-FR" dirty="0" smtClean="0"/>
           </a:p>
           <a:p>
             <a:endParaRPr lang="fr-FR" dirty="0"/>
@@ -3957,36 +3975,7 @@
             <a:pPr marL="0" indent="0">
               <a:buNone/>
             </a:pPr>
-            <a:r>
-              <a:rPr lang="fr-FR" dirty="0" smtClean="0"/>
-              <a:t>	- documents</a:t>
-            </a:r>
-          </a:p>
-          <a:p>
-            <a:pPr marL="0" indent="0">
-              <a:buNone/>
-            </a:pPr>
-            <a:r>
-              <a:rPr lang="fr-FR" dirty="0"/>
-              <a:t>	</a:t>
-            </a:r>
-            <a:r>
-              <a:rPr lang="fr-FR" dirty="0" smtClean="0"/>
-              <a:t>- modification</a:t>
-            </a:r>
-          </a:p>
-          <a:p>
-            <a:pPr marL="0" indent="0">
-              <a:buNone/>
-            </a:pPr>
-            <a:r>
-              <a:rPr lang="fr-FR" dirty="0"/>
-              <a:t>	</a:t>
-            </a:r>
-            <a:r>
-              <a:rPr lang="fr-FR" dirty="0" smtClean="0"/>
-              <a:t>- requêtes</a:t>
-            </a:r>
+            <a:endParaRPr lang="fr-FR" dirty="0" smtClean="0"/>
           </a:p>
           <a:p>
             <a:pPr marL="0" indent="0">
@@ -4092,7 +4081,7 @@
         </p:spPr>
         <p:txBody>
           <a:bodyPr>
-            <a:normAutofit lnSpcReduction="10000"/>
+            <a:normAutofit/>
           </a:bodyPr>
           <a:lstStyle/>
           <a:p>
@@ -4101,37 +4090,11 @@
           <a:p>
             <a:r>
               <a:rPr lang="fr-FR" dirty="0" smtClean="0"/>
-              <a:t>Notifications : demande spécifique au département RH</a:t>
-            </a:r>
-          </a:p>
-          <a:p>
-            <a:endParaRPr lang="fr-FR" dirty="0"/>
-          </a:p>
-          <a:p>
+              <a:t>D</a:t>
+            </a:r>
             <a:r>
               <a:rPr lang="fr-FR" dirty="0" smtClean="0"/>
-              <a:t>Accès aux documents administratifs : social et fiscal</a:t>
-            </a:r>
-          </a:p>
-          <a:p>
-            <a:endParaRPr lang="fr-FR" dirty="0"/>
-          </a:p>
-          <a:p>
-            <a:r>
-              <a:rPr lang="fr-FR" dirty="0" smtClean="0"/>
-              <a:t>Accès au solde des heures allouées à la formation professionnelle et au catalogue des formations. </a:t>
-            </a:r>
-          </a:p>
-          <a:p>
-            <a:pPr marL="0" indent="0">
-              <a:buNone/>
-            </a:pPr>
-            <a:endParaRPr lang="fr-FR" dirty="0" smtClean="0"/>
-          </a:p>
-          <a:p>
-            <a:r>
-              <a:rPr lang="fr-FR" dirty="0"/>
-              <a:t>Calendrier : programmation d’évènements</a:t>
+              <a:t>emandes spécifiques</a:t>
             </a:r>
           </a:p>
           <a:p>
@@ -4142,34 +4105,53 @@
           </a:p>
           <a:p>
             <a:r>
+              <a:rPr lang="fr-FR" dirty="0" smtClean="0"/>
+              <a:t>Accès aux documents </a:t>
+            </a:r>
+            <a:r>
+              <a:rPr lang="fr-FR" dirty="0" smtClean="0"/>
+              <a:t>administratifs</a:t>
+            </a:r>
+          </a:p>
+          <a:p>
+            <a:endParaRPr lang="fr-FR" dirty="0"/>
+          </a:p>
+          <a:p>
+            <a:r>
+              <a:rPr lang="fr-FR" dirty="0"/>
+              <a:t>S</a:t>
+            </a:r>
+            <a:r>
+              <a:rPr lang="fr-FR" dirty="0" smtClean="0"/>
+              <a:t>olde </a:t>
+            </a:r>
+            <a:r>
+              <a:rPr lang="fr-FR" dirty="0" smtClean="0"/>
+              <a:t>des heures allouées à la formation </a:t>
+            </a:r>
+            <a:r>
+              <a:rPr lang="fr-FR" dirty="0" smtClean="0"/>
+              <a:t>professionnelle</a:t>
+            </a:r>
+          </a:p>
+          <a:p>
+            <a:endParaRPr lang="fr-FR" dirty="0" smtClean="0"/>
+          </a:p>
+          <a:p>
+            <a:r>
+              <a:rPr lang="fr-FR" dirty="0"/>
+              <a:t>Calendrier </a:t>
+            </a:r>
+            <a:endParaRPr lang="fr-FR" dirty="0" smtClean="0"/>
+          </a:p>
+          <a:p>
+            <a:endParaRPr lang="fr-FR" dirty="0"/>
+          </a:p>
+          <a:p>
+            <a:r>
               <a:rPr lang="fr-FR" dirty="0"/>
               <a:t>Gestion du temps : </a:t>
             </a:r>
-          </a:p>
-          <a:p>
-            <a:pPr lvl="3">
-              <a:buFontTx/>
-              <a:buChar char="-"/>
-            </a:pPr>
-            <a:r>
-              <a:rPr lang="fr-FR" sz="1600" dirty="0"/>
-              <a:t>sélection de la prise de congés, absences</a:t>
-            </a:r>
-          </a:p>
-          <a:p>
-            <a:pPr lvl="3">
-              <a:buFontTx/>
-              <a:buChar char="-"/>
-            </a:pPr>
-            <a:r>
-              <a:rPr lang="fr-FR" sz="1600" dirty="0"/>
-              <a:t>Accès aux soldes des congés payés, </a:t>
-            </a:r>
-            <a:r>
-              <a:rPr lang="fr-FR" sz="1600" dirty="0" smtClean="0"/>
-              <a:t>RTT</a:t>
-            </a:r>
-            <a:endParaRPr lang="fr-FR" sz="1600" dirty="0"/>
           </a:p>
           <a:p>
             <a:endParaRPr lang="fr-FR" dirty="0" smtClean="0"/>
@@ -4240,8 +4222,12 @@
           <a:lstStyle/>
           <a:p>
             <a:r>
+              <a:rPr lang="fr-FR" u="sng" dirty="0" smtClean="0"/>
+              <a:t>	FONCTIONNALITES </a:t>
+            </a:r>
+            <a:r>
               <a:rPr lang="fr-FR" u="sng" dirty="0"/>
-              <a:t>FONCTIONNALITES : </a:t>
+              <a:t>: </a:t>
             </a:r>
             <a:r>
               <a:rPr lang="fr-FR" u="sng" dirty="0" smtClean="0"/>
@@ -4278,8 +4264,16 @@
           </a:p>
           <a:p>
             <a:r>
+              <a:rPr lang="fr-FR" dirty="0"/>
+              <a:t>I</a:t>
+            </a:r>
+            <a:r>
               <a:rPr lang="fr-FR" dirty="0" smtClean="0"/>
-              <a:t>Accès aux informations générales du personnel</a:t>
+              <a:t>nformations </a:t>
+            </a:r>
+            <a:r>
+              <a:rPr lang="fr-FR" dirty="0" smtClean="0"/>
+              <a:t>générales du personnel</a:t>
             </a:r>
           </a:p>
           <a:p>
@@ -4288,8 +4282,13 @@
           <a:p>
             <a:r>
               <a:rPr lang="fr-FR" dirty="0" smtClean="0"/>
-              <a:t>Calendrier de visualisation des évènements et absences des salariés</a:t>
-            </a:r>
+              <a:t>Calendrier </a:t>
+            </a:r>
+            <a:r>
+              <a:rPr lang="fr-FR" dirty="0" smtClean="0"/>
+              <a:t>des évènements</a:t>
+            </a:r>
+            <a:endParaRPr lang="fr-FR" dirty="0" smtClean="0"/>
           </a:p>
           <a:p>
             <a:endParaRPr lang="fr-FR" dirty="0"/>
@@ -4297,8 +4296,22 @@
           <a:p>
             <a:r>
               <a:rPr lang="fr-FR" dirty="0" smtClean="0"/>
-              <a:t>Réponses aux notifications</a:t>
-            </a:r>
+              <a:t>Réponses aux </a:t>
+            </a:r>
+            <a:r>
+              <a:rPr lang="fr-FR" dirty="0" smtClean="0"/>
+              <a:t>notifications</a:t>
+            </a:r>
+          </a:p>
+          <a:p>
+            <a:endParaRPr lang="fr-FR" dirty="0"/>
+          </a:p>
+          <a:p>
+            <a:r>
+              <a:rPr lang="fr-FR" dirty="0" smtClean="0"/>
+              <a:t>Accès aux documents administratifs</a:t>
+            </a:r>
+            <a:endParaRPr lang="fr-FR" dirty="0" smtClean="0"/>
           </a:p>
           <a:p>
             <a:endParaRPr lang="fr-FR" dirty="0"/>
